--- a/NEW.pptx
+++ b/NEW.pptx
@@ -5,7 +5,7 @@
     <p:sldMasterId id="2147483659" r:id="rId4"/>
   </p:sldMasterIdLst>
   <p:notesMasterIdLst>
-    <p:notesMasterId r:id="rId22"/>
+    <p:notesMasterId r:id="rId23"/>
   </p:notesMasterIdLst>
   <p:sldIdLst>
     <p:sldId id="256" r:id="rId5"/>
@@ -24,7 +24,8 @@
     <p:sldId id="271" r:id="rId18"/>
     <p:sldId id="272" r:id="rId19"/>
     <p:sldId id="273" r:id="rId20"/>
-    <p:sldId id="276" r:id="rId21"/>
+    <p:sldId id="277" r:id="rId21"/>
+    <p:sldId id="276" r:id="rId22"/>
   </p:sldIdLst>
   <p:sldSz cx="7772400" cy="10058400"/>
   <p:notesSz cx="7102475" cy="9388475"/>
@@ -6862,14 +6863,17 @@
                 </a:solidFill>
                 <a:latin typeface="Bahnschrift SemiBold Condensed" panose="020B0502040204020203" pitchFamily="34" charset="0"/>
               </a:rPr>
-              <a:t>ZERO TRUST SECURITY ARCHITECTURE</a:t>
-            </a:r>
-            <a:endParaRPr lang="en-US" sz="1800" b="1" u="sng" dirty="0" smtClean="0">
-              <a:solidFill>
-                <a:schemeClr val="tx1"/>
-              </a:solidFill>
-              <a:latin typeface="Bahnschrift SemiBold Condensed" panose="020B0502040204020203" pitchFamily="34" charset="0"/>
-            </a:endParaRPr>
+              <a:t>3. ZERO </a:t>
+            </a:r>
+            <a:r>
+              <a:rPr lang="en-US" sz="1800" b="1" u="sng" dirty="0" smtClean="0">
+                <a:solidFill>
+                  <a:schemeClr val="tx1"/>
+                </a:solidFill>
+                <a:latin typeface="Bahnschrift SemiBold Condensed" panose="020B0502040204020203" pitchFamily="34" charset="0"/>
+              </a:rPr>
+              <a:t>TRUST SECURITY ARCHITECTURE</a:t>
+            </a:r>
           </a:p>
           <a:p>
             <a:pPr algn="just"/>
@@ -8962,9 +8966,15 @@
             <a:pPr algn="ctr"/>
             <a:r>
               <a:rPr lang="en-US" sz="1600" b="1" u="sng" dirty="0" smtClean="0">
-                <a:latin typeface="Bahnschrift Light Condensed" panose="020B0502040204020203" pitchFamily="34" charset="0"/>
-              </a:rPr>
-              <a:t>APPLICATIONS OF ZERO TRUST SECURITY MODEL</a:t>
+                <a:latin typeface="Bahnschrift SemiBold" panose="020B0502040204020203" pitchFamily="34" charset="0"/>
+              </a:rPr>
+              <a:t> 4 .  APPLICATIONS </a:t>
+            </a:r>
+            <a:r>
+              <a:rPr lang="en-US" sz="1600" b="1" u="sng" dirty="0" smtClean="0">
+                <a:latin typeface="Bahnschrift SemiBold" panose="020B0502040204020203" pitchFamily="34" charset="0"/>
+              </a:rPr>
+              <a:t>OF ZERO TRUST SECURITY MODEL</a:t>
             </a:r>
           </a:p>
           <a:p>
@@ -9595,7 +9605,13 @@
               <a:rPr lang="en-US" sz="1600" u="sng" dirty="0" smtClean="0">
                 <a:latin typeface="Bahnschrift SemiBold" panose="020B0502040204020203" pitchFamily="34" charset="0"/>
               </a:rPr>
-              <a:t>ADVANTAGES OF ZERO TRUST SECURITY </a:t>
+              <a:t>5. ADVANTAGES </a:t>
+            </a:r>
+            <a:r>
+              <a:rPr lang="en-US" sz="1600" u="sng" dirty="0" smtClean="0">
+                <a:latin typeface="Bahnschrift SemiBold" panose="020B0502040204020203" pitchFamily="34" charset="0"/>
+              </a:rPr>
+              <a:t>OF ZERO TRUST SECURITY </a:t>
             </a:r>
           </a:p>
           <a:p>
@@ -10784,7 +10800,7 @@
               <a:rPr lang="en-US" sz="1600" u="sng" dirty="0" smtClean="0">
                 <a:latin typeface="Bahnschrift SemiBold" panose="020B0502040204020203" pitchFamily="34" charset="0"/>
               </a:rPr>
-              <a:t>DISADVANTAGES </a:t>
+              <a:t>6. DISADVANTAGES </a:t>
             </a:r>
             <a:r>
               <a:rPr lang="en-US" sz="1600" u="sng" dirty="0">
@@ -11455,25 +11471,16 @@
           </a:bodyPr>
           <a:lstStyle/>
           <a:p>
-            <a:pPr algn="just"/>
+            <a:pPr algn="ctr"/>
             <a:r>
               <a:rPr lang="en-US" sz="1600" u="sng" dirty="0" smtClean="0">
                 <a:latin typeface="Bahnschrift SemiBold" panose="020B0502040204020203" pitchFamily="34" charset="0"/>
               </a:rPr>
-              <a:t>DISADVANTAGES </a:t>
-            </a:r>
-            <a:r>
-              <a:rPr lang="en-US" sz="1600" u="sng" dirty="0">
-                <a:latin typeface="Bahnschrift SemiBold" panose="020B0502040204020203" pitchFamily="34" charset="0"/>
-              </a:rPr>
-              <a:t>OF ZERO TRUST </a:t>
-            </a:r>
-            <a:r>
-              <a:rPr lang="en-US" sz="1600" u="sng" dirty="0" smtClean="0">
-                <a:latin typeface="Bahnschrift SemiBold" panose="020B0502040204020203" pitchFamily="34" charset="0"/>
-              </a:rPr>
-              <a:t>SECURITY</a:t>
-            </a:r>
+              <a:t>7. FUTURE SCOPE</a:t>
+            </a:r>
+            <a:endParaRPr lang="en-US" sz="1600" u="sng" dirty="0" smtClean="0">
+              <a:latin typeface="Bahnschrift SemiBold" panose="020B0502040204020203" pitchFamily="34" charset="0"/>
+            </a:endParaRPr>
           </a:p>
           <a:p>
             <a:pPr algn="just"/>
@@ -11691,6 +11698,487 @@
               <a:t>Implementing Zero Trust Security often requires a significant cultural shift within an organization. Employees and stakeholders may resist changes to established workflows and practices, especially if they perceive the new security measures as overly restrictive or intrusive.</a:t>
             </a:r>
             <a:endParaRPr lang="en-US" sz="1600" dirty="0" smtClean="0">
+              <a:latin typeface="Bahnschrift Light Condensed" panose="020B0502040204020203" pitchFamily="34" charset="0"/>
+            </a:endParaRPr>
+          </a:p>
+        </p:txBody>
+      </p:sp>
+    </p:spTree>
+    <p:extLst>
+      <p:ext uri="{BB962C8B-B14F-4D97-AF65-F5344CB8AC3E}">
+        <p14:creationId xmlns:p14="http://schemas.microsoft.com/office/powerpoint/2010/main" val="842554096"/>
+      </p:ext>
+    </p:extLst>
+  </p:cSld>
+  <p:clrMapOvr>
+    <a:masterClrMapping/>
+  </p:clrMapOvr>
+  <p:timing>
+    <p:tnLst>
+      <p:par>
+        <p:cTn id="1" dur="indefinite" restart="never" nodeType="tmRoot"/>
+      </p:par>
+    </p:tnLst>
+  </p:timing>
+</p:sld>
+</file>
+
+<file path=ppt/slides/slide18.xml><?xml version="1.0" encoding="utf-8"?>
+<p:sld xmlns:a="http://schemas.openxmlformats.org/drawingml/2006/main" xmlns:r="http://schemas.openxmlformats.org/officeDocument/2006/relationships" xmlns:p="http://schemas.openxmlformats.org/presentationml/2006/main">
+  <p:cSld>
+    <p:spTree>
+      <p:nvGrpSpPr>
+        <p:cNvPr id="1" name=""/>
+        <p:cNvGrpSpPr/>
+        <p:nvPr/>
+      </p:nvGrpSpPr>
+      <p:grpSpPr>
+        <a:xfrm>
+          <a:off x="0" y="0"/>
+          <a:ext cx="0" cy="0"/>
+          <a:chOff x="0" y="0"/>
+          <a:chExt cx="0" cy="0"/>
+        </a:xfrm>
+      </p:grpSpPr>
+      <p:sp>
+        <p:nvSpPr>
+          <p:cNvPr id="3" name="Title 1"/>
+          <p:cNvSpPr txBox="1">
+            <a:spLocks/>
+          </p:cNvSpPr>
+          <p:nvPr/>
+        </p:nvSpPr>
+        <p:spPr>
+          <a:xfrm>
+            <a:off x="370702" y="308919"/>
+            <a:ext cx="7006281" cy="9391135"/>
+          </a:xfrm>
+          <a:prstGeom prst="rect">
+            <a:avLst/>
+          </a:prstGeom>
+        </p:spPr>
+        <p:style>
+          <a:lnRef idx="2">
+            <a:schemeClr val="dk1"/>
+          </a:lnRef>
+          <a:fillRef idx="1">
+            <a:schemeClr val="lt1"/>
+          </a:fillRef>
+          <a:effectRef idx="0">
+            <a:schemeClr val="dk1"/>
+          </a:effectRef>
+          <a:fontRef idx="minor">
+            <a:schemeClr val="dk1"/>
+          </a:fontRef>
+        </p:style>
+        <p:txBody>
+          <a:bodyPr spcFirstLastPara="1" wrap="square" lIns="91425" tIns="91425" rIns="91425" bIns="91425" anchor="t" anchorCtr="0"/>
+          <a:lstStyle>
+            <a:defPPr marR="0" lvl="0" algn="l" rtl="0">
+              <a:lnSpc>
+                <a:spcPct val="100000"/>
+              </a:lnSpc>
+              <a:spcBef>
+                <a:spcPts val="0"/>
+              </a:spcBef>
+              <a:spcAft>
+                <a:spcPts val="0"/>
+              </a:spcAft>
+            </a:defPPr>
+            <a:lvl1pPr marR="0" lvl="0" algn="l" rtl="0" eaLnBrk="1" hangingPunct="1">
+              <a:lnSpc>
+                <a:spcPct val="100000"/>
+              </a:lnSpc>
+              <a:spcBef>
+                <a:spcPts val="0"/>
+              </a:spcBef>
+              <a:spcAft>
+                <a:spcPts val="0"/>
+              </a:spcAft>
+              <a:buClr>
+                <a:schemeClr val="dk1"/>
+              </a:buClr>
+              <a:buSzPts val="5200"/>
+              <a:buFont typeface="Arial"/>
+              <a:buNone/>
+              <a:defRPr sz="4400" b="0" i="0" u="none" strike="noStrike" cap="none">
+                <a:solidFill>
+                  <a:schemeClr val="bg1"/>
+                </a:solidFill>
+                <a:latin typeface="+mn-lt"/>
+                <a:ea typeface="+mn-ea"/>
+                <a:cs typeface="+mn-cs"/>
+                <a:sym typeface="Arial"/>
+              </a:defRPr>
+            </a:lvl1pPr>
+            <a:lvl2pPr marR="0" lvl="1" algn="ctr" rtl="0" eaLnBrk="1" hangingPunct="1">
+              <a:lnSpc>
+                <a:spcPct val="100000"/>
+              </a:lnSpc>
+              <a:spcBef>
+                <a:spcPts val="0"/>
+              </a:spcBef>
+              <a:spcAft>
+                <a:spcPts val="0"/>
+              </a:spcAft>
+              <a:buClr>
+                <a:schemeClr val="dk1"/>
+              </a:buClr>
+              <a:buSzPts val="5200"/>
+              <a:buFont typeface="Arial"/>
+              <a:buNone/>
+              <a:defRPr sz="5200" b="0" i="0" u="none" strike="noStrike" cap="none">
+                <a:solidFill>
+                  <a:schemeClr val="dk1"/>
+                </a:solidFill>
+                <a:latin typeface="+mn-lt"/>
+                <a:ea typeface="+mn-ea"/>
+                <a:cs typeface="+mn-cs"/>
+                <a:sym typeface="Arial"/>
+              </a:defRPr>
+            </a:lvl2pPr>
+            <a:lvl3pPr marR="0" lvl="2" algn="ctr" rtl="0" eaLnBrk="1" hangingPunct="1">
+              <a:lnSpc>
+                <a:spcPct val="100000"/>
+              </a:lnSpc>
+              <a:spcBef>
+                <a:spcPts val="0"/>
+              </a:spcBef>
+              <a:spcAft>
+                <a:spcPts val="0"/>
+              </a:spcAft>
+              <a:buClr>
+                <a:schemeClr val="dk1"/>
+              </a:buClr>
+              <a:buSzPts val="5200"/>
+              <a:buFont typeface="Arial"/>
+              <a:buNone/>
+              <a:defRPr sz="5200" b="0" i="0" u="none" strike="noStrike" cap="none">
+                <a:solidFill>
+                  <a:schemeClr val="dk1"/>
+                </a:solidFill>
+                <a:latin typeface="+mn-lt"/>
+                <a:ea typeface="+mn-ea"/>
+                <a:cs typeface="+mn-cs"/>
+                <a:sym typeface="Arial"/>
+              </a:defRPr>
+            </a:lvl3pPr>
+            <a:lvl4pPr marR="0" lvl="3" algn="ctr" rtl="0" eaLnBrk="1" hangingPunct="1">
+              <a:lnSpc>
+                <a:spcPct val="100000"/>
+              </a:lnSpc>
+              <a:spcBef>
+                <a:spcPts val="0"/>
+              </a:spcBef>
+              <a:spcAft>
+                <a:spcPts val="0"/>
+              </a:spcAft>
+              <a:buClr>
+                <a:schemeClr val="dk1"/>
+              </a:buClr>
+              <a:buSzPts val="5200"/>
+              <a:buFont typeface="Arial"/>
+              <a:buNone/>
+              <a:defRPr sz="5200" b="0" i="0" u="none" strike="noStrike" cap="none">
+                <a:solidFill>
+                  <a:schemeClr val="dk1"/>
+                </a:solidFill>
+                <a:latin typeface="+mn-lt"/>
+                <a:ea typeface="+mn-ea"/>
+                <a:cs typeface="+mn-cs"/>
+                <a:sym typeface="Arial"/>
+              </a:defRPr>
+            </a:lvl4pPr>
+            <a:lvl5pPr marR="0" lvl="4" algn="ctr" rtl="0" eaLnBrk="1" hangingPunct="1">
+              <a:lnSpc>
+                <a:spcPct val="100000"/>
+              </a:lnSpc>
+              <a:spcBef>
+                <a:spcPts val="0"/>
+              </a:spcBef>
+              <a:spcAft>
+                <a:spcPts val="0"/>
+              </a:spcAft>
+              <a:buClr>
+                <a:schemeClr val="dk1"/>
+              </a:buClr>
+              <a:buSzPts val="5200"/>
+              <a:buFont typeface="Arial"/>
+              <a:buNone/>
+              <a:defRPr sz="5200" b="0" i="0" u="none" strike="noStrike" cap="none">
+                <a:solidFill>
+                  <a:schemeClr val="dk1"/>
+                </a:solidFill>
+                <a:latin typeface="+mn-lt"/>
+                <a:ea typeface="+mn-ea"/>
+                <a:cs typeface="+mn-cs"/>
+                <a:sym typeface="Arial"/>
+              </a:defRPr>
+            </a:lvl5pPr>
+            <a:lvl6pPr marR="0" lvl="5" algn="ctr" rtl="0" eaLnBrk="1" hangingPunct="1">
+              <a:lnSpc>
+                <a:spcPct val="100000"/>
+              </a:lnSpc>
+              <a:spcBef>
+                <a:spcPts val="0"/>
+              </a:spcBef>
+              <a:spcAft>
+                <a:spcPts val="0"/>
+              </a:spcAft>
+              <a:buClr>
+                <a:schemeClr val="dk1"/>
+              </a:buClr>
+              <a:buSzPts val="5200"/>
+              <a:buFont typeface="Arial"/>
+              <a:buNone/>
+              <a:defRPr sz="5200" b="0" i="0" u="none" strike="noStrike" cap="none">
+                <a:solidFill>
+                  <a:schemeClr val="dk1"/>
+                </a:solidFill>
+                <a:latin typeface="+mn-lt"/>
+                <a:ea typeface="+mn-ea"/>
+                <a:cs typeface="+mn-cs"/>
+                <a:sym typeface="Arial"/>
+              </a:defRPr>
+            </a:lvl6pPr>
+            <a:lvl7pPr marR="0" lvl="6" algn="ctr" rtl="0" eaLnBrk="1" hangingPunct="1">
+              <a:lnSpc>
+                <a:spcPct val="100000"/>
+              </a:lnSpc>
+              <a:spcBef>
+                <a:spcPts val="0"/>
+              </a:spcBef>
+              <a:spcAft>
+                <a:spcPts val="0"/>
+              </a:spcAft>
+              <a:buClr>
+                <a:schemeClr val="dk1"/>
+              </a:buClr>
+              <a:buSzPts val="5200"/>
+              <a:buFont typeface="Arial"/>
+              <a:buNone/>
+              <a:defRPr sz="5200" b="0" i="0" u="none" strike="noStrike" cap="none">
+                <a:solidFill>
+                  <a:schemeClr val="dk1"/>
+                </a:solidFill>
+                <a:latin typeface="+mn-lt"/>
+                <a:ea typeface="+mn-ea"/>
+                <a:cs typeface="+mn-cs"/>
+                <a:sym typeface="Arial"/>
+              </a:defRPr>
+            </a:lvl7pPr>
+            <a:lvl8pPr marR="0" lvl="7" algn="ctr" rtl="0" eaLnBrk="1" hangingPunct="1">
+              <a:lnSpc>
+                <a:spcPct val="100000"/>
+              </a:lnSpc>
+              <a:spcBef>
+                <a:spcPts val="0"/>
+              </a:spcBef>
+              <a:spcAft>
+                <a:spcPts val="0"/>
+              </a:spcAft>
+              <a:buClr>
+                <a:schemeClr val="dk1"/>
+              </a:buClr>
+              <a:buSzPts val="5200"/>
+              <a:buFont typeface="Arial"/>
+              <a:buNone/>
+              <a:defRPr sz="5200" b="0" i="0" u="none" strike="noStrike" cap="none">
+                <a:solidFill>
+                  <a:schemeClr val="dk1"/>
+                </a:solidFill>
+                <a:latin typeface="+mn-lt"/>
+                <a:ea typeface="+mn-ea"/>
+                <a:cs typeface="+mn-cs"/>
+                <a:sym typeface="Arial"/>
+              </a:defRPr>
+            </a:lvl8pPr>
+            <a:lvl9pPr marR="0" lvl="8" algn="ctr" rtl="0" eaLnBrk="1" hangingPunct="1">
+              <a:lnSpc>
+                <a:spcPct val="100000"/>
+              </a:lnSpc>
+              <a:spcBef>
+                <a:spcPts val="0"/>
+              </a:spcBef>
+              <a:spcAft>
+                <a:spcPts val="0"/>
+              </a:spcAft>
+              <a:buClr>
+                <a:schemeClr val="dk1"/>
+              </a:buClr>
+              <a:buSzPts val="5200"/>
+              <a:buFont typeface="Arial"/>
+              <a:buNone/>
+              <a:defRPr sz="5200" b="0" i="0" u="none" strike="noStrike" cap="none">
+                <a:solidFill>
+                  <a:schemeClr val="dk1"/>
+                </a:solidFill>
+                <a:latin typeface="+mn-lt"/>
+                <a:ea typeface="+mn-ea"/>
+                <a:cs typeface="+mn-cs"/>
+                <a:sym typeface="Arial"/>
+              </a:defRPr>
+            </a:lvl9pPr>
+          </a:lstStyle>
+          <a:p>
+            <a:pPr algn="just"/>
+            <a:endParaRPr lang="en-US" sz="1800" b="1" u="sng" dirty="0">
+              <a:solidFill>
+                <a:schemeClr val="tx1"/>
+              </a:solidFill>
+              <a:latin typeface="Bahnschrift SemiBold Condensed" panose="020B0502040204020203" pitchFamily="34" charset="0"/>
+            </a:endParaRPr>
+          </a:p>
+        </p:txBody>
+      </p:sp>
+      <p:sp>
+        <p:nvSpPr>
+          <p:cNvPr id="2" name="Slide Number Placeholder 1"/>
+          <p:cNvSpPr>
+            <a:spLocks noGrp="1"/>
+          </p:cNvSpPr>
+          <p:nvPr>
+            <p:ph type="sldNum" idx="12"/>
+          </p:nvPr>
+        </p:nvSpPr>
+        <p:spPr>
+          <a:xfrm>
+            <a:off x="7201588" y="9700054"/>
+            <a:ext cx="570811" cy="358346"/>
+          </a:xfrm>
+        </p:spPr>
+        <p:txBody>
+          <a:bodyPr/>
+          <a:lstStyle/>
+          <a:p>
+            <a:pPr marL="0" lvl="0" indent="0">
+              <a:spcBef>
+                <a:spcPts val="0"/>
+              </a:spcBef>
+              <a:spcAft>
+                <a:spcPts val="0"/>
+              </a:spcAft>
+              <a:buNone/>
+            </a:pPr>
+            <a:fld id="{00000000-1234-1234-1234-123412341234}" type="slidenum">
+              <a:rPr lang="en-US" noProof="0" smtClean="0"/>
+              <a:t>18</a:t>
+            </a:fld>
+            <a:endParaRPr lang="en-US" noProof="0" dirty="0"/>
+          </a:p>
+        </p:txBody>
+      </p:sp>
+      <p:sp>
+        <p:nvSpPr>
+          <p:cNvPr id="5" name="TextBox 4"/>
+          <p:cNvSpPr txBox="1"/>
+          <p:nvPr/>
+        </p:nvSpPr>
+        <p:spPr>
+          <a:xfrm>
+            <a:off x="0" y="9735263"/>
+            <a:ext cx="3163330" cy="276999"/>
+          </a:xfrm>
+          <a:prstGeom prst="rect">
+            <a:avLst/>
+          </a:prstGeom>
+          <a:noFill/>
+        </p:spPr>
+        <p:txBody>
+          <a:bodyPr wrap="square" rtlCol="0">
+            <a:spAutoFit/>
+          </a:bodyPr>
+          <a:lstStyle/>
+          <a:p>
+            <a:r>
+              <a:rPr lang="en-US" sz="1200" b="1" i="1" dirty="0">
+                <a:solidFill>
+                  <a:schemeClr val="bg1">
+                    <a:lumMod val="65000"/>
+                  </a:schemeClr>
+                </a:solidFill>
+                <a:latin typeface="Calibri" panose="020F0502020204030204" pitchFamily="34" charset="0"/>
+                <a:ea typeface="Calibri" panose="020F0502020204030204" pitchFamily="34" charset="0"/>
+                <a:cs typeface="Calibri" panose="020F0502020204030204" pitchFamily="34" charset="0"/>
+              </a:rPr>
+              <a:t>Department of Computer Engineering</a:t>
+            </a:r>
+            <a:endParaRPr lang="en-IN" sz="1200" i="1" dirty="0">
+              <a:solidFill>
+                <a:schemeClr val="bg1">
+                  <a:lumMod val="65000"/>
+                </a:schemeClr>
+              </a:solidFill>
+              <a:latin typeface="Calibri" panose="020F0502020204030204" pitchFamily="34" charset="0"/>
+              <a:ea typeface="Calibri" panose="020F0502020204030204" pitchFamily="34" charset="0"/>
+              <a:cs typeface="Calibri" panose="020F0502020204030204" pitchFamily="34" charset="0"/>
+            </a:endParaRPr>
+          </a:p>
+        </p:txBody>
+      </p:sp>
+      <p:sp>
+        <p:nvSpPr>
+          <p:cNvPr id="6" name="TextBox 5"/>
+          <p:cNvSpPr txBox="1"/>
+          <p:nvPr/>
+        </p:nvSpPr>
+        <p:spPr>
+          <a:xfrm>
+            <a:off x="370701" y="398505"/>
+            <a:ext cx="7006281" cy="1661993"/>
+          </a:xfrm>
+          <a:prstGeom prst="rect">
+            <a:avLst/>
+          </a:prstGeom>
+          <a:noFill/>
+        </p:spPr>
+        <p:txBody>
+          <a:bodyPr wrap="square" rtlCol="0">
+            <a:spAutoFit/>
+          </a:bodyPr>
+          <a:lstStyle/>
+          <a:p>
+            <a:pPr algn="ctr"/>
+            <a:r>
+              <a:rPr lang="en-US" sz="1600" u="sng" dirty="0" smtClean="0">
+                <a:latin typeface="Bahnschrift SemiBold" panose="020B0502040204020203" pitchFamily="34" charset="0"/>
+              </a:rPr>
+              <a:t>CONCLUSION</a:t>
+            </a:r>
+            <a:endParaRPr lang="en-US" sz="1600" u="sng" dirty="0" smtClean="0">
+              <a:latin typeface="Bahnschrift SemiBold" panose="020B0502040204020203" pitchFamily="34" charset="0"/>
+            </a:endParaRPr>
+          </a:p>
+          <a:p>
+            <a:pPr algn="just"/>
+            <a:endParaRPr lang="en-US" sz="1600" b="1" dirty="0" smtClean="0">
+              <a:latin typeface="Bahnschrift Light Condensed" panose="020B0502040204020203" pitchFamily="34" charset="0"/>
+            </a:endParaRPr>
+          </a:p>
+          <a:p>
+            <a:pPr algn="just"/>
+            <a:r>
+              <a:rPr lang="en-IN" dirty="0">
+                <a:solidFill>
+                  <a:schemeClr val="tx1"/>
+                </a:solidFill>
+                <a:latin typeface="Bahnschrift Light Condensed" panose="020B0502040204020203" pitchFamily="34" charset="0"/>
+              </a:rPr>
+              <a:t>Zero Trust Security Architecture represents a fundamental shift in how organizations approach cybersecurity, moving away from traditional perimeter-based models towards a more proactive and adaptive security posture. Through the exploration of core principles, implementation strategies, real-world case studies, and integration with emerging technologies, this research has highlighted the transformative potential of Zero Trust Architecture in enhancing security resilience, mitigating risks, and fostering trust in information systems </a:t>
+            </a:r>
+            <a:r>
+              <a:rPr lang="en-IN" dirty="0" smtClean="0">
+                <a:solidFill>
+                  <a:schemeClr val="tx1"/>
+                </a:solidFill>
+                <a:latin typeface="Bahnschrift Light Condensed" panose="020B0502040204020203" pitchFamily="34" charset="0"/>
+              </a:rPr>
+              <a:t>.</a:t>
+            </a:r>
+            <a:endParaRPr lang="en-US" sz="1600" b="1" dirty="0" smtClean="0">
+              <a:solidFill>
+                <a:schemeClr val="tx1"/>
+              </a:solidFill>
               <a:latin typeface="Bahnschrift Light Condensed" panose="020B0502040204020203" pitchFamily="34" charset="0"/>
             </a:endParaRPr>
           </a:p>
@@ -15810,6 +16298,15 @@
               </a:rPr>
             </a:br>
             <a:r>
+              <a:rPr lang="en-IN" sz="2000" dirty="0" smtClean="0">
+                <a:solidFill>
+                  <a:schemeClr val="tx1"/>
+                </a:solidFill>
+                <a:latin typeface="Arial Rounded MT Bold" panose="020F0704030504030204" pitchFamily="34" charset="0"/>
+              </a:rPr>
+              <a:t>1.</a:t>
+            </a:r>
+            <a:r>
               <a:rPr lang="en-US" sz="2000" u="sng" dirty="0" smtClean="0">
                 <a:solidFill>
                   <a:schemeClr val="tx1"/>
@@ -15818,6 +16315,12 @@
               </a:rPr>
               <a:t>INTRODUCTION</a:t>
             </a:r>
+            <a:endParaRPr lang="en-US" sz="2000" u="sng" dirty="0" smtClean="0">
+              <a:solidFill>
+                <a:schemeClr val="tx1"/>
+              </a:solidFill>
+              <a:latin typeface="Impact" panose="020B0806030902050204" pitchFamily="34" charset="0"/>
+            </a:endParaRPr>
           </a:p>
           <a:p>
             <a:pPr algn="ctr"/>
@@ -16639,13 +17142,22 @@
           <a:p>
             <a:pPr algn="ctr"/>
             <a:r>
+              <a:rPr lang="en-US" sz="2000" b="1" u="sng" dirty="0" smtClean="0">
+                <a:solidFill>
+                  <a:schemeClr val="tx1"/>
+                </a:solidFill>
+                <a:latin typeface="Bahnschrift SemiBold" panose="020B0502040204020203" pitchFamily="34" charset="0"/>
+              </a:rPr>
+              <a:t>2. ZERO </a:t>
+            </a:r>
+            <a:r>
               <a:rPr lang="en-US" sz="2000" b="1" u="sng" dirty="0">
                 <a:solidFill>
                   <a:schemeClr val="tx1"/>
                 </a:solidFill>
                 <a:latin typeface="Bahnschrift SemiBold" panose="020B0502040204020203" pitchFamily="34" charset="0"/>
               </a:rPr>
-              <a:t>ZERO TRUST </a:t>
+              <a:t>TRUST </a:t>
             </a:r>
             <a:r>
               <a:rPr lang="en-US" sz="2000" b="1" u="sng" dirty="0" smtClean="0">
@@ -17130,7 +17642,7 @@
                 </a:solidFill>
                 <a:latin typeface="Bahnschrift SemiBold Condensed" panose="020B0502040204020203" pitchFamily="34" charset="0"/>
               </a:rPr>
-              <a:t>PRINCIPLES </a:t>
+              <a:t>2.1 .  PRINCIPLES </a:t>
             </a:r>
             <a:r>
               <a:rPr lang="en-US" sz="1800" b="1" u="sng" dirty="0" smtClean="0">
@@ -17373,12 +17885,6 @@
               </a:rPr>
               <a:t>.</a:t>
             </a:r>
-            <a:endParaRPr lang="en-US" sz="1600" dirty="0" smtClean="0">
-              <a:solidFill>
-                <a:schemeClr val="tx1"/>
-              </a:solidFill>
-              <a:latin typeface="Bahnschrift Light Condensed" panose="020B0502040204020203" pitchFamily="34" charset="0"/>
-            </a:endParaRPr>
           </a:p>
           <a:p>
             <a:pPr algn="just">
@@ -17879,25 +18385,34 @@
                 </a:solidFill>
                 <a:latin typeface="Bahnschrift Light Condensed" panose="020B0502040204020203" pitchFamily="34" charset="0"/>
               </a:rPr>
-              <a:t>Continuous </a:t>
-            </a:r>
-            <a:r>
-              <a:rPr lang="en-US" sz="1800" b="1" dirty="0" smtClean="0">
+              <a:t>Continuous Authentication </a:t>
+            </a:r>
+            <a:r>
+              <a:rPr lang="en-US" sz="1800" dirty="0" smtClean="0">
                 <a:solidFill>
                   <a:schemeClr val="tx1"/>
                 </a:solidFill>
                 <a:latin typeface="Bahnschrift Light Condensed" panose="020B0502040204020203" pitchFamily="34" charset="0"/>
               </a:rPr>
-              <a:t>Authentication </a:t>
-            </a:r>
-            <a:r>
-              <a:rPr lang="en-US" sz="1800" dirty="0" smtClean="0">
+              <a:t>: </a:t>
+            </a:r>
+            <a:r>
+              <a:rPr lang="en-US" sz="1600" dirty="0" smtClean="0">
                 <a:solidFill>
                   <a:schemeClr val="tx1"/>
                 </a:solidFill>
                 <a:latin typeface="Bahnschrift Light Condensed" panose="020B0502040204020203" pitchFamily="34" charset="0"/>
               </a:rPr>
-              <a:t>: </a:t>
+              <a:t> </a:t>
+            </a:r>
+            <a:r>
+              <a:rPr lang="en-US" sz="1600" dirty="0">
+                <a:solidFill>
+                  <a:schemeClr val="tx1"/>
+                </a:solidFill>
+                <a:latin typeface="Bahnschrift Light Condensed" panose="020B0502040204020203" pitchFamily="34" charset="0"/>
+              </a:rPr>
+              <a:t>Zero Trust Security requires continuous authentication and authorization, rather than one-time validation at the point of entry. This continuous process evaluates contextual factors such as user behavior, device posture, location, and network conditions to dynamically adjust access privileges in real-time. For instance, if a user’s behavior deviates from their typical patterns, or if a device shows signs of compromise, their access can be restricted or revoked immediately. Continuous authentication ensures that access decisions are always based on the most current risk assessments, enhancing the overall security posture of the organization</a:t>
             </a:r>
             <a:r>
               <a:rPr lang="en-US" sz="1600" dirty="0" smtClean="0">
@@ -17906,34 +18421,7 @@
                 </a:solidFill>
                 <a:latin typeface="Bahnschrift Light Condensed" panose="020B0502040204020203" pitchFamily="34" charset="0"/>
               </a:rPr>
-              <a:t> </a:t>
-            </a:r>
-            <a:r>
-              <a:rPr lang="en-US" sz="1600" dirty="0">
-                <a:solidFill>
-                  <a:schemeClr val="tx1"/>
-                </a:solidFill>
-                <a:latin typeface="Bahnschrift Light Condensed" panose="020B0502040204020203" pitchFamily="34" charset="0"/>
-              </a:rPr>
-              <a:t>Zero Trust Security requires continuous authentication and authorization, rather than one-time validation at the point of entry. This continuous process evaluates contextual factors such as user behavior, device posture, location, and network conditions to dynamically adjust access privileges in real-time. For instance, if a user’s behavior deviates from their typical patterns, or if a device shows signs of compromise, their access can be restricted or revoked immediately. Continuous authentication ensures that access decisions are always based on the most current risk assessments, enhancing the overall security posture of the organization</a:t>
-            </a:r>
-            <a:r>
-              <a:rPr lang="en-US" sz="1600" dirty="0" smtClean="0">
-                <a:solidFill>
-                  <a:schemeClr val="tx1"/>
-                </a:solidFill>
-                <a:latin typeface="Bahnschrift Light Condensed" panose="020B0502040204020203" pitchFamily="34" charset="0"/>
-              </a:rPr>
-              <a:t>.</a:t>
-            </a:r>
-            <a:r>
-              <a:rPr lang="en-US" sz="1600" dirty="0" smtClean="0">
-                <a:solidFill>
-                  <a:schemeClr val="tx1"/>
-                </a:solidFill>
-                <a:latin typeface="Bahnschrift Light Condensed" panose="020B0502040204020203" pitchFamily="34" charset="0"/>
-              </a:rPr>
-              <a:t>.</a:t>
+              <a:t>..</a:t>
             </a:r>
           </a:p>
           <a:p>
@@ -18154,7 +18642,16 @@
                 </a:solidFill>
                 <a:latin typeface="Bahnschrift Light Condensed" panose="020B0502040204020203" pitchFamily="34" charset="0"/>
               </a:rPr>
-              <a:t>behavior</a:t>
+              <a:t>behavior.</a:t>
+            </a:r>
+            <a:r>
+              <a:rPr lang="en-US" sz="1600" dirty="0">
+                <a:solidFill>
+                  <a:schemeClr val="tx1"/>
+                </a:solidFill>
+                <a:latin typeface="Bahnschrift Light Condensed" panose="020B0502040204020203" pitchFamily="34" charset="0"/>
+              </a:rPr>
+              <a:t> This involves deploying advanced security tools and technologies to monitor and enforce policies consistently. Any suspicious behavior or policy violations are immediately flagged for investigation and response. By maintaining strict adherence to security policies, organizations can ensure that their defense mechanisms are robust and effective against potential threats</a:t>
             </a:r>
             <a:r>
               <a:rPr lang="en-US" sz="1600" dirty="0" smtClean="0">
@@ -18165,30 +18662,6 @@
               </a:rPr>
               <a:t>.</a:t>
             </a:r>
-            <a:r>
-              <a:rPr lang="en-US" sz="1600" dirty="0">
-                <a:solidFill>
-                  <a:schemeClr val="tx1"/>
-                </a:solidFill>
-                <a:latin typeface="Bahnschrift Light Condensed" panose="020B0502040204020203" pitchFamily="34" charset="0"/>
-              </a:rPr>
-              <a:t> This involves deploying advanced security tools and technologies to monitor and enforce policies consistently. Any suspicious behavior or policy violations are immediately flagged for investigation and response. By maintaining strict adherence to security policies, organizations can ensure that their defense mechanisms are robust and effective against potential threats</a:t>
-            </a:r>
-            <a:r>
-              <a:rPr lang="en-US" sz="1600" dirty="0" smtClean="0">
-                <a:solidFill>
-                  <a:schemeClr val="tx1"/>
-                </a:solidFill>
-                <a:latin typeface="Bahnschrift Light Condensed" panose="020B0502040204020203" pitchFamily="34" charset="0"/>
-              </a:rPr>
-              <a:t>.</a:t>
-            </a:r>
-            <a:endParaRPr lang="en-US" sz="1600" dirty="0" smtClean="0">
-              <a:solidFill>
-                <a:schemeClr val="tx1"/>
-              </a:solidFill>
-              <a:latin typeface="Bahnschrift Light Condensed" panose="020B0502040204020203" pitchFamily="34" charset="0"/>
-            </a:endParaRPr>
           </a:p>
         </p:txBody>
       </p:sp>
@@ -18910,14 +19383,6 @@
 </file>
 
 <file path=customXml/item1.xml><?xml version="1.0" encoding="utf-8"?>
-<p:properties xmlns:p="http://schemas.microsoft.com/office/2006/metadata/properties" xmlns:xsi="http://www.w3.org/2001/XMLSchema-instance" xmlns:pc="http://schemas.microsoft.com/office/infopath/2007/PartnerControls">
-  <documentManagement>
-    <MediaServiceKeyPoints xmlns="71af3243-3dd4-4a8d-8c0d-dd76da1f02a5" xsi:nil="true"/>
-  </documentManagement>
-</p:properties>
-</file>
-
-<file path=customXml/item2.xml><?xml version="1.0" encoding="utf-8"?>
 <ct:contentTypeSchema xmlns:ct="http://schemas.microsoft.com/office/2006/metadata/contentType" xmlns:ma="http://schemas.microsoft.com/office/2006/metadata/properties/metaAttributes" ct:_="" ma:_="" ma:contentTypeName="Document" ma:contentTypeID="0x01010079F111ED35F8CC479449609E8A0923A6" ma:contentTypeVersion="11" ma:contentTypeDescription="Create a new document." ma:contentTypeScope="" ma:versionID="96291512c1ee715ab617f4c07df79fc1">
   <xsd:schema xmlns:xsd="http://www.w3.org/2001/XMLSchema" xmlns:xs="http://www.w3.org/2001/XMLSchema" xmlns:p="http://schemas.microsoft.com/office/2006/metadata/properties" xmlns:ns2="71af3243-3dd4-4a8d-8c0d-dd76da1f02a5" xmlns:ns3="16c05727-aa75-4e4a-9b5f-8a80a1165891" targetNamespace="http://schemas.microsoft.com/office/2006/metadata/properties" ma:root="true" ma:fieldsID="8256c27c40ca5c40ce1cf6c44f0205df" ns2:_="" ns3:_="">
     <xsd:import namespace="71af3243-3dd4-4a8d-8c0d-dd76da1f02a5"/>
@@ -19128,6 +19593,14 @@
 </ct:contentTypeSchema>
 </file>
 
+<file path=customXml/item2.xml><?xml version="1.0" encoding="utf-8"?>
+<p:properties xmlns:p="http://schemas.microsoft.com/office/2006/metadata/properties" xmlns:xsi="http://www.w3.org/2001/XMLSchema-instance" xmlns:pc="http://schemas.microsoft.com/office/infopath/2007/PartnerControls">
+  <documentManagement>
+    <MediaServiceKeyPoints xmlns="71af3243-3dd4-4a8d-8c0d-dd76da1f02a5" xsi:nil="true"/>
+  </documentManagement>
+</p:properties>
+</file>
+
 <file path=customXml/item3.xml><?xml version="1.0" encoding="utf-8"?>
 <?mso-contentType ?>
 <FormTemplates xmlns="http://schemas.microsoft.com/sharepoint/v3/contenttype/forms">
@@ -19138,23 +19611,6 @@
 </file>
 
 <file path=customXml/itemProps1.xml><?xml version="1.0" encoding="utf-8"?>
-<ds:datastoreItem xmlns:ds="http://schemas.openxmlformats.org/officeDocument/2006/customXml" ds:itemID="{8503EBB4-024F-47DB-973C-8577E021001A}">
-  <ds:schemaRefs>
-    <ds:schemaRef ds:uri="http://schemas.microsoft.com/office/2006/documentManagement/types"/>
-    <ds:schemaRef ds:uri="http://purl.org/dc/dcmitype/"/>
-    <ds:schemaRef ds:uri="http://schemas.microsoft.com/office/2006/metadata/properties"/>
-    <ds:schemaRef ds:uri="http://purl.org/dc/elements/1.1/"/>
-    <ds:schemaRef ds:uri="http://www.w3.org/XML/1998/namespace"/>
-    <ds:schemaRef ds:uri="16c05727-aa75-4e4a-9b5f-8a80a1165891"/>
-    <ds:schemaRef ds:uri="http://schemas.microsoft.com/office/infopath/2007/PartnerControls"/>
-    <ds:schemaRef ds:uri="http://schemas.openxmlformats.org/package/2006/metadata/core-properties"/>
-    <ds:schemaRef ds:uri="71af3243-3dd4-4a8d-8c0d-dd76da1f02a5"/>
-    <ds:schemaRef ds:uri="http://purl.org/dc/terms/"/>
-  </ds:schemaRefs>
-</ds:datastoreItem>
-</file>
-
-<file path=customXml/itemProps2.xml><?xml version="1.0" encoding="utf-8"?>
 <ds:datastoreItem xmlns:ds="http://schemas.openxmlformats.org/officeDocument/2006/customXml" ds:itemID="{A758B2A1-0516-4926-B3DE-9B57AF31CF9B}">
   <ds:schemaRefs>
     <ds:schemaRef ds:uri="http://schemas.microsoft.com/office/2006/metadata/contentType"/>
@@ -19173,6 +19629,23 @@
 </ds:datastoreItem>
 </file>
 
+<file path=customXml/itemProps2.xml><?xml version="1.0" encoding="utf-8"?>
+<ds:datastoreItem xmlns:ds="http://schemas.openxmlformats.org/officeDocument/2006/customXml" ds:itemID="{8503EBB4-024F-47DB-973C-8577E021001A}">
+  <ds:schemaRefs>
+    <ds:schemaRef ds:uri="http://schemas.microsoft.com/office/2006/documentManagement/types"/>
+    <ds:schemaRef ds:uri="http://purl.org/dc/dcmitype/"/>
+    <ds:schemaRef ds:uri="http://schemas.microsoft.com/office/2006/metadata/properties"/>
+    <ds:schemaRef ds:uri="http://purl.org/dc/elements/1.1/"/>
+    <ds:schemaRef ds:uri="http://www.w3.org/XML/1998/namespace"/>
+    <ds:schemaRef ds:uri="16c05727-aa75-4e4a-9b5f-8a80a1165891"/>
+    <ds:schemaRef ds:uri="http://schemas.microsoft.com/office/infopath/2007/PartnerControls"/>
+    <ds:schemaRef ds:uri="http://schemas.openxmlformats.org/package/2006/metadata/core-properties"/>
+    <ds:schemaRef ds:uri="71af3243-3dd4-4a8d-8c0d-dd76da1f02a5"/>
+    <ds:schemaRef ds:uri="http://purl.org/dc/terms/"/>
+  </ds:schemaRefs>
+</ds:datastoreItem>
+</file>
+
 <file path=customXml/itemProps3.xml><?xml version="1.0" encoding="utf-8"?>
 <ds:datastoreItem xmlns:ds="http://schemas.openxmlformats.org/officeDocument/2006/customXml" ds:itemID="{276FF186-BD25-4F7E-9998-C208B3ECEBE3}">
   <ds:schemaRefs>

--- a/NEW.pptx
+++ b/NEW.pptx
@@ -8173,25 +8173,7 @@
                 </a:solidFill>
                 <a:latin typeface="Bahnschrift Light Condensed" panose="020B0502040204020203" pitchFamily="34" charset="0"/>
               </a:rPr>
-              <a:t>2.1.  What </a:t>
-            </a:r>
-            <a:r>
-              <a:rPr lang="en-US" sz="2000" b="1" u="sng" dirty="0" smtClean="0">
-                <a:solidFill>
-                  <a:schemeClr val="tx1"/>
-                </a:solidFill>
-                <a:latin typeface="Bahnschrift Light Condensed" panose="020B0502040204020203" pitchFamily="34" charset="0"/>
-              </a:rPr>
-              <a:t>is ”zero trust security</a:t>
-            </a:r>
-            <a:r>
-              <a:rPr lang="en-US" sz="2000" b="1" u="sng" dirty="0" smtClean="0">
-                <a:solidFill>
-                  <a:schemeClr val="tx1"/>
-                </a:solidFill>
-                <a:latin typeface="Bahnschrift Light Condensed" panose="020B0502040204020203" pitchFamily="34" charset="0"/>
-              </a:rPr>
-              <a:t>”?</a:t>
+              <a:t>2.1.  What is ”zero trust security”?</a:t>
             </a:r>
           </a:p>
           <a:p>
@@ -9006,16 +8988,7 @@
                 </a:solidFill>
                 <a:latin typeface="Bahnschrift SemiBold Condensed" panose="020B0502040204020203" pitchFamily="34" charset="0"/>
               </a:rPr>
-              <a:t>2.2 </a:t>
-            </a:r>
-            <a:r>
-              <a:rPr lang="en-US" sz="1800" b="1" u="sng" dirty="0" smtClean="0">
-                <a:solidFill>
-                  <a:schemeClr val="tx1"/>
-                </a:solidFill>
-                <a:latin typeface="Bahnschrift SemiBold Condensed" panose="020B0502040204020203" pitchFamily="34" charset="0"/>
-              </a:rPr>
-              <a:t>.  PRINCIPLES OF ZERO TRUST SECURITY</a:t>
+              <a:t>2.2 .  PRINCIPLES OF ZERO TRUST SECURITY</a:t>
             </a:r>
           </a:p>
           <a:p>
@@ -13221,19 +13194,7 @@
               <a:rPr lang="en-US" sz="1600" u="sng" dirty="0" smtClean="0">
                 <a:latin typeface="Bahnschrift SemiBold" panose="020B0502040204020203" pitchFamily="34" charset="0"/>
               </a:rPr>
-              <a:t>5. </a:t>
-            </a:r>
-            <a:r>
-              <a:rPr lang="en-US" sz="1600" u="sng" dirty="0" smtClean="0">
-                <a:latin typeface="Bahnschrift SemiBold" panose="020B0502040204020203" pitchFamily="34" charset="0"/>
-              </a:rPr>
-              <a:t> ADVANTAGES </a:t>
-            </a:r>
-            <a:r>
-              <a:rPr lang="en-US" sz="1600" u="sng" dirty="0" smtClean="0">
-                <a:latin typeface="Bahnschrift SemiBold" panose="020B0502040204020203" pitchFamily="34" charset="0"/>
-              </a:rPr>
-              <a:t>OF ZERO TRUST SECURITY </a:t>
+              <a:t>5.  ADVANTAGES OF ZERO TRUST SECURITY </a:t>
             </a:r>
           </a:p>
           <a:p>
@@ -13960,7 +13921,7 @@
         <p:spPr>
           <a:xfrm>
             <a:off x="383059" y="6221237"/>
-            <a:ext cx="7006281" cy="954107"/>
+            <a:ext cx="7006281" cy="1077218"/>
           </a:xfrm>
           <a:prstGeom prst="rect">
             <a:avLst/>
@@ -13975,67 +13936,67 @@
           <a:p>
             <a:pPr algn="just"/>
             <a:r>
-              <a:rPr lang="en-US" dirty="0">
+              <a:rPr lang="en-US" sz="1600" dirty="0">
                 <a:latin typeface="Berlin Sans FB" panose="020E0602020502020306" pitchFamily="34" charset="0"/>
               </a:rPr>
               <a:t>This is to certify that the seminar entitled “ZERO TRUST </a:t>
             </a:r>
             <a:r>
-              <a:rPr lang="en-US" dirty="0" smtClean="0">
+              <a:rPr lang="en-US" sz="1600" dirty="0" smtClean="0">
                 <a:latin typeface="Berlin Sans FB" panose="020E0602020502020306" pitchFamily="34" charset="0"/>
               </a:rPr>
               <a:t>SECURITY” </a:t>
             </a:r>
             <a:r>
-              <a:rPr lang="en-US" dirty="0">
+              <a:rPr lang="en-US" sz="1600" dirty="0">
                 <a:latin typeface="Berlin Sans FB" panose="020E0602020502020306" pitchFamily="34" charset="0"/>
               </a:rPr>
               <a:t>is submitted </a:t>
             </a:r>
             <a:r>
-              <a:rPr lang="en-US" dirty="0" smtClean="0">
+              <a:rPr lang="en-US" sz="1600" dirty="0" smtClean="0">
                 <a:latin typeface="Berlin Sans FB" panose="020E0602020502020306" pitchFamily="34" charset="0"/>
               </a:rPr>
               <a:t>by </a:t>
             </a:r>
             <a:r>
-              <a:rPr lang="en-US" dirty="0">
+              <a:rPr lang="en-US" sz="1600" dirty="0">
                 <a:latin typeface="Berlin Sans FB" panose="020E0602020502020306" pitchFamily="34" charset="0"/>
               </a:rPr>
               <a:t>MELWIN JOSHY bearing </a:t>
             </a:r>
             <a:r>
-              <a:rPr lang="en-US" dirty="0" smtClean="0">
+              <a:rPr lang="en-US" sz="1600" dirty="0" smtClean="0">
                 <a:latin typeface="Berlin Sans FB" panose="020E0602020502020306" pitchFamily="34" charset="0"/>
               </a:rPr>
               <a:t>Reg_No</a:t>
             </a:r>
             <a:r>
-              <a:rPr lang="en-US" dirty="0">
+              <a:rPr lang="en-US" sz="1600" dirty="0">
                 <a:latin typeface="Berlin Sans FB" panose="020E0602020502020306" pitchFamily="34" charset="0"/>
               </a:rPr>
               <a:t>. 2201133041 in partial fulfilment of the requirement for the award </a:t>
             </a:r>
             <a:r>
-              <a:rPr lang="en-US" dirty="0" smtClean="0">
+              <a:rPr lang="en-US" sz="1600" dirty="0" smtClean="0">
                 <a:latin typeface="Berlin Sans FB" panose="020E0602020502020306" pitchFamily="34" charset="0"/>
               </a:rPr>
               <a:t>of </a:t>
             </a:r>
             <a:r>
-              <a:rPr lang="en-US" dirty="0">
+              <a:rPr lang="en-US" sz="1600" dirty="0">
                 <a:latin typeface="Berlin Sans FB" panose="020E0602020502020306" pitchFamily="34" charset="0"/>
               </a:rPr>
               <a:t>the Diploma in Computer Engineering of State Board of Technical Examinations, Kerala for </a:t>
             </a:r>
             <a:r>
-              <a:rPr lang="en-US" dirty="0" smtClean="0">
+              <a:rPr lang="en-US" sz="1600" dirty="0" smtClean="0">
                 <a:latin typeface="Berlin Sans FB" panose="020E0602020502020306" pitchFamily="34" charset="0"/>
               </a:rPr>
               <a:t>the </a:t>
             </a:r>
             <a:r>
-              <a:rPr lang="en-IN" dirty="0">
+              <a:rPr lang="en-IN" sz="1600" dirty="0">
                 <a:latin typeface="Berlin Sans FB" panose="020E0602020502020306" pitchFamily="34" charset="0"/>
               </a:rPr>
               <a:t>academic year 2024-2025.</a:t>
@@ -15256,19 +15217,7 @@
               <a:rPr lang="en-US" sz="1600" u="sng" dirty="0" smtClean="0">
                 <a:latin typeface="Bahnschrift SemiBold" panose="020B0502040204020203" pitchFamily="34" charset="0"/>
               </a:rPr>
-              <a:t>6</a:t>
-            </a:r>
-            <a:r>
-              <a:rPr lang="en-US" sz="1600" u="sng" dirty="0" smtClean="0">
-                <a:latin typeface="Bahnschrift SemiBold" panose="020B0502040204020203" pitchFamily="34" charset="0"/>
-              </a:rPr>
-              <a:t>.  </a:t>
-            </a:r>
-            <a:r>
-              <a:rPr lang="en-US" sz="1600" u="sng" dirty="0" smtClean="0">
-                <a:latin typeface="Bahnschrift SemiBold" panose="020B0502040204020203" pitchFamily="34" charset="0"/>
-              </a:rPr>
-              <a:t>DISADVANTAGES </a:t>
+              <a:t>6.  DISADVANTAGES </a:t>
             </a:r>
             <a:r>
               <a:rPr lang="en-US" sz="1600" u="sng" dirty="0">
@@ -15944,13 +15893,7 @@
               <a:rPr lang="en-US" sz="1600" u="sng" dirty="0" smtClean="0">
                 <a:latin typeface="Bahnschrift SemiBold" panose="020B0502040204020203" pitchFamily="34" charset="0"/>
               </a:rPr>
-              <a:t>7. </a:t>
-            </a:r>
-            <a:r>
-              <a:rPr lang="en-US" sz="1600" u="sng" dirty="0" smtClean="0">
-                <a:latin typeface="Bahnschrift SemiBold" panose="020B0502040204020203" pitchFamily="34" charset="0"/>
-              </a:rPr>
-              <a:t> FUTURE SCOPE</a:t>
+              <a:t>7.  FUTURE SCOPE</a:t>
             </a:r>
           </a:p>
           <a:p>
@@ -16541,9 +16484,6 @@
               </a:rPr>
               <a:t>8.  CONCLUSION</a:t>
             </a:r>
-            <a:endParaRPr lang="en-US" sz="1600" u="sng" dirty="0" smtClean="0">
-              <a:latin typeface="Bahnschrift SemiBold" panose="020B0502040204020203" pitchFamily="34" charset="0"/>
-            </a:endParaRPr>
           </a:p>
           <a:p>
             <a:pPr marL="285750" indent="-285750" algn="just">
@@ -18115,31 +18055,13 @@
               <a:t>heartfelt gratitude to my seminar guide </a:t>
             </a:r>
             <a:r>
-              <a:rPr lang="en-US" sz="1600" dirty="0" err="1" smtClean="0">
+              <a:rPr lang="en-US" sz="1600" dirty="0" smtClean="0">
                 <a:solidFill>
                   <a:schemeClr val="tx1"/>
                 </a:solidFill>
                 <a:latin typeface="Bahnschrift Light" panose="020B0502040204020203" pitchFamily="34" charset="0"/>
               </a:rPr>
-              <a:t>Mrs.THAJBI</a:t>
-            </a:r>
-            <a:r>
-              <a:rPr lang="en-US" sz="1600" dirty="0" smtClean="0">
-                <a:solidFill>
-                  <a:schemeClr val="tx1"/>
-                </a:solidFill>
-                <a:latin typeface="Bahnschrift Light" panose="020B0502040204020203" pitchFamily="34" charset="0"/>
-              </a:rPr>
-              <a:t> </a:t>
-            </a:r>
-            <a:r>
-              <a:rPr lang="en-US" sz="1600" dirty="0" smtClean="0">
-                <a:solidFill>
-                  <a:schemeClr val="tx1"/>
-                </a:solidFill>
-                <a:latin typeface="Bahnschrift Light" panose="020B0502040204020203" pitchFamily="34" charset="0"/>
-              </a:rPr>
-              <a:t>P.M, Head </a:t>
+              <a:t>Mrs.THAJBI P.M, Head </a:t>
             </a:r>
             <a:r>
               <a:rPr lang="en-US" sz="1600" dirty="0">
@@ -20500,7 +20422,6 @@
               <a:rPr lang="en-US" dirty="0" smtClean="0"/>
               <a:t>12</a:t>
             </a:r>
-            <a:endParaRPr lang="en-US" dirty="0" smtClean="0"/>
           </a:p>
           <a:p>
             <a:pPr algn="ctr"/>
@@ -22239,12 +22160,6 @@
               </a:rPr>
               <a:t> CYBER SECURITY</a:t>
             </a:r>
-            <a:endParaRPr lang="en-US" sz="2000" u="sng" dirty="0" smtClean="0">
-              <a:solidFill>
-                <a:schemeClr val="tx1"/>
-              </a:solidFill>
-              <a:latin typeface="Impact" panose="020B0806030902050204" pitchFamily="34" charset="0"/>
-            </a:endParaRPr>
           </a:p>
           <a:p>
             <a:pPr algn="ctr"/>
@@ -22303,16 +22218,7 @@
                 </a:solidFill>
                 <a:latin typeface="Bahnschrift Light Condensed" panose="020B0502040204020203" pitchFamily="34" charset="0"/>
               </a:rPr>
-              <a:t>Cyber security </a:t>
-            </a:r>
-            <a:r>
-              <a:rPr lang="en-US" sz="1600" dirty="0" smtClean="0">
-                <a:solidFill>
-                  <a:schemeClr val="tx1"/>
-                </a:solidFill>
-                <a:latin typeface="Bahnschrift Light Condensed" panose="020B0502040204020203" pitchFamily="34" charset="0"/>
-              </a:rPr>
-              <a:t>covers a variety of vulnerabilities that occurs when a user is scouring through the network. Some of the key components are:</a:t>
+              <a:t>Cyber security covers a variety of vulnerabilities that occurs when a user is scouring through the network. Some of the key components are:</a:t>
             </a:r>
           </a:p>
           <a:p>
@@ -23025,12 +22931,6 @@
               </a:rPr>
               <a:t> CYBER SECURITY MODELS</a:t>
             </a:r>
-            <a:endParaRPr lang="en-US" sz="2000" u="sng" dirty="0" smtClean="0">
-              <a:solidFill>
-                <a:schemeClr val="tx1"/>
-              </a:solidFill>
-              <a:latin typeface="Impact" panose="020B0806030902050204" pitchFamily="34" charset="0"/>
-            </a:endParaRPr>
           </a:p>
           <a:p>
             <a:pPr algn="ctr"/>
@@ -23320,12 +23220,6 @@
               </a:rPr>
               <a:t>This model is designed to maintain data integrity. It prevents data from being modified by unauthorized users and ensures that data flows correctly from one level to another. The Biba Model uses a set of rules opposite to Bell-LaPadula, focusing on preventing unauthorized modification of data. Users can write data only at or below their integrity level (no write up) and read data at or above their integrity level (no read down).</a:t>
             </a:r>
-            <a:endParaRPr lang="en-US" sz="1600" dirty="0">
-              <a:solidFill>
-                <a:schemeClr val="tx1"/>
-              </a:solidFill>
-              <a:latin typeface="Bahnschrift Light Condensed" panose="020B0502040204020203" pitchFamily="34" charset="0"/>
-            </a:endParaRPr>
           </a:p>
           <a:p>
             <a:pPr marL="285750" indent="-285750" algn="just">
@@ -24900,14 +24794,6 @@
 </file>
 
 <file path=customXml/item1.xml><?xml version="1.0" encoding="utf-8"?>
-<p:properties xmlns:p="http://schemas.microsoft.com/office/2006/metadata/properties" xmlns:xsi="http://www.w3.org/2001/XMLSchema-instance" xmlns:pc="http://schemas.microsoft.com/office/infopath/2007/PartnerControls">
-  <documentManagement>
-    <MediaServiceKeyPoints xmlns="71af3243-3dd4-4a8d-8c0d-dd76da1f02a5" xsi:nil="true"/>
-  </documentManagement>
-</p:properties>
-</file>
-
-<file path=customXml/item2.xml><?xml version="1.0" encoding="utf-8"?>
 <ct:contentTypeSchema xmlns:ct="http://schemas.microsoft.com/office/2006/metadata/contentType" xmlns:ma="http://schemas.microsoft.com/office/2006/metadata/properties/metaAttributes" ct:_="" ma:_="" ma:contentTypeName="Document" ma:contentTypeID="0x01010079F111ED35F8CC479449609E8A0923A6" ma:contentTypeVersion="11" ma:contentTypeDescription="Create a new document." ma:contentTypeScope="" ma:versionID="96291512c1ee715ab617f4c07df79fc1">
   <xsd:schema xmlns:xsd="http://www.w3.org/2001/XMLSchema" xmlns:xs="http://www.w3.org/2001/XMLSchema" xmlns:p="http://schemas.microsoft.com/office/2006/metadata/properties" xmlns:ns2="71af3243-3dd4-4a8d-8c0d-dd76da1f02a5" xmlns:ns3="16c05727-aa75-4e4a-9b5f-8a80a1165891" targetNamespace="http://schemas.microsoft.com/office/2006/metadata/properties" ma:root="true" ma:fieldsID="8256c27c40ca5c40ce1cf6c44f0205df" ns2:_="" ns3:_="">
     <xsd:import namespace="71af3243-3dd4-4a8d-8c0d-dd76da1f02a5"/>
@@ -25118,6 +25004,14 @@
 </ct:contentTypeSchema>
 </file>
 
+<file path=customXml/item2.xml><?xml version="1.0" encoding="utf-8"?>
+<p:properties xmlns:p="http://schemas.microsoft.com/office/2006/metadata/properties" xmlns:xsi="http://www.w3.org/2001/XMLSchema-instance" xmlns:pc="http://schemas.microsoft.com/office/infopath/2007/PartnerControls">
+  <documentManagement>
+    <MediaServiceKeyPoints xmlns="71af3243-3dd4-4a8d-8c0d-dd76da1f02a5" xsi:nil="true"/>
+  </documentManagement>
+</p:properties>
+</file>
+
 <file path=customXml/item3.xml><?xml version="1.0" encoding="utf-8"?>
 <?mso-contentType ?>
 <FormTemplates xmlns="http://schemas.microsoft.com/sharepoint/v3/contenttype/forms">
@@ -25128,23 +25022,6 @@
 </file>
 
 <file path=customXml/itemProps1.xml><?xml version="1.0" encoding="utf-8"?>
-<ds:datastoreItem xmlns:ds="http://schemas.openxmlformats.org/officeDocument/2006/customXml" ds:itemID="{8503EBB4-024F-47DB-973C-8577E021001A}">
-  <ds:schemaRefs>
-    <ds:schemaRef ds:uri="http://schemas.microsoft.com/office/2006/metadata/properties"/>
-    <ds:schemaRef ds:uri="http://schemas.microsoft.com/office/2006/documentManagement/types"/>
-    <ds:schemaRef ds:uri="http://purl.org/dc/elements/1.1/"/>
-    <ds:schemaRef ds:uri="http://www.w3.org/XML/1998/namespace"/>
-    <ds:schemaRef ds:uri="http://purl.org/dc/dcmitype/"/>
-    <ds:schemaRef ds:uri="16c05727-aa75-4e4a-9b5f-8a80a1165891"/>
-    <ds:schemaRef ds:uri="71af3243-3dd4-4a8d-8c0d-dd76da1f02a5"/>
-    <ds:schemaRef ds:uri="http://schemas.microsoft.com/office/infopath/2007/PartnerControls"/>
-    <ds:schemaRef ds:uri="http://schemas.openxmlformats.org/package/2006/metadata/core-properties"/>
-    <ds:schemaRef ds:uri="http://purl.org/dc/terms/"/>
-  </ds:schemaRefs>
-</ds:datastoreItem>
-</file>
-
-<file path=customXml/itemProps2.xml><?xml version="1.0" encoding="utf-8"?>
 <ds:datastoreItem xmlns:ds="http://schemas.openxmlformats.org/officeDocument/2006/customXml" ds:itemID="{A758B2A1-0516-4926-B3DE-9B57AF31CF9B}">
   <ds:schemaRefs>
     <ds:schemaRef ds:uri="http://schemas.microsoft.com/office/2006/metadata/contentType"/>
@@ -25163,6 +25040,23 @@
 </ds:datastoreItem>
 </file>
 
+<file path=customXml/itemProps2.xml><?xml version="1.0" encoding="utf-8"?>
+<ds:datastoreItem xmlns:ds="http://schemas.openxmlformats.org/officeDocument/2006/customXml" ds:itemID="{8503EBB4-024F-47DB-973C-8577E021001A}">
+  <ds:schemaRefs>
+    <ds:schemaRef ds:uri="http://schemas.microsoft.com/office/2006/documentManagement/types"/>
+    <ds:schemaRef ds:uri="http://www.w3.org/XML/1998/namespace"/>
+    <ds:schemaRef ds:uri="http://schemas.microsoft.com/office/2006/metadata/properties"/>
+    <ds:schemaRef ds:uri="71af3243-3dd4-4a8d-8c0d-dd76da1f02a5"/>
+    <ds:schemaRef ds:uri="http://purl.org/dc/elements/1.1/"/>
+    <ds:schemaRef ds:uri="http://purl.org/dc/terms/"/>
+    <ds:schemaRef ds:uri="http://purl.org/dc/dcmitype/"/>
+    <ds:schemaRef ds:uri="http://schemas.microsoft.com/office/infopath/2007/PartnerControls"/>
+    <ds:schemaRef ds:uri="http://schemas.openxmlformats.org/package/2006/metadata/core-properties"/>
+    <ds:schemaRef ds:uri="16c05727-aa75-4e4a-9b5f-8a80a1165891"/>
+  </ds:schemaRefs>
+</ds:datastoreItem>
+</file>
+
 <file path=customXml/itemProps3.xml><?xml version="1.0" encoding="utf-8"?>
 <ds:datastoreItem xmlns:ds="http://schemas.openxmlformats.org/officeDocument/2006/customXml" ds:itemID="{276FF186-BD25-4F7E-9998-C208B3ECEBE3}">
   <ds:schemaRefs>
